--- a/MINI PROJECT/PPT.pptx
+++ b/MINI PROJECT/PPT.pptx
@@ -210,7 +210,7 @@
           <a:p>
             <a:fld id="{319E05D0-A421-4EF3-8512-AD1148C82550}" type="datetimeFigureOut">
               <a:rPr lang="en-IN" smtClean="0"/>
-              <a:t>17-05-2024</a:t>
+              <a:t>19-05-2024</a:t>
             </a:fld>
             <a:endParaRPr lang="en-IN"/>
           </a:p>
@@ -9931,7 +9931,7 @@
                   <a:srgbClr val="FF0000"/>
                 </a:solidFill>
               </a:rPr>
-              <a:t>System Requirements</a:t>
+              <a:t>System Architecture</a:t>
             </a:r>
             <a:endParaRPr lang="en-IN" sz="2800" dirty="0"/>
           </a:p>
